--- a/InterviewQuestions/LinkedLists/ReverseLinkedList.pptx
+++ b/InterviewQuestions/LinkedLists/ReverseLinkedList.pptx
@@ -116,6 +116,11 @@
       </a:defRPr>
     </a:lvl9pPr>
   </p:defaultTextStyle>
+  <p:extLst>
+    <p:ext uri="{EFAFB233-063F-42B5-8137-9DF3F51BA10A}">
+      <p15:sldGuideLst xmlns:p15="http://schemas.microsoft.com/office/powerpoint/2012/main"/>
+    </p:ext>
+  </p:extLst>
 </p:presentation>
 </file>
 
@@ -3397,14 +3402,6 @@
           </a:p>
           <a:p>
             <a:r>
-              <a:rPr lang="en-US" altLang="ko-KR" dirty="0" err="1"/>
-              <a:t>Yisu</a:t>
-            </a:r>
-            <a:r>
-              <a:rPr lang="en-US" altLang="ko-KR" dirty="0"/>
-              <a:t> Kim(</a:t>
-            </a:r>
-            <a:r>
               <a:rPr lang="en-US" altLang="ko-KR" dirty="0">
                 <a:hlinkClick r:id="rId2"/>
               </a:rPr>
@@ -3418,7 +3415,7 @@
             </a:r>
             <a:r>
               <a:rPr lang="en-US" altLang="ko-KR" dirty="0"/>
-              <a:t>) | </a:t>
+              <a:t> | </a:t>
             </a:r>
             <a:r>
               <a:rPr lang="en-US" altLang="ko-KR" dirty="0">
